--- a/tests/test_data/test-script-simple.pptx
+++ b/tests/test_data/test-script-simple.pptx
@@ -3524,8 +3524,8 @@
         </p:blipFill>
         <p:spPr>
           <a:xfrm>
-            <a:off x="0" y="0"/>
-            <a:ext cx="9144000" cy="6858000"/>
+            <a:off x="0" y="196107"/>
+            <a:ext cx="9144000" cy="6465784"/>
           </a:xfrm>
           <a:prstGeom prst="rect">
             <a:avLst/>

--- a/tests/test_data/test-script-simple.pptx
+++ b/tests/test_data/test-script-simple.pptx
@@ -3510,7 +3510,7 @@
       <p:grpSpPr/>
       <p:pic>
         <p:nvPicPr>
-          <p:cNvPr id="2" name="Picture 1" descr="test-image-sl.jpg"/>
+          <p:cNvPr id="2" name="Picture 1" descr="highlighted__tvu1hi4.png"/>
           <p:cNvPicPr>
             <a:picLocks noChangeAspect="1"/>
           </p:cNvPicPr>
